--- a/project meeting slides/project meeting 5.pptx
+++ b/project meeting slides/project meeting 5.pptx
@@ -8983,6 +8983,29 @@
           </a:p>
         </p:txBody>
       </p:sp>
+      <p:pic>
+        <p:nvPicPr>
+          <p:cNvPr id="3" name="Bildobjekt 2"/>
+          <p:cNvPicPr>
+            <a:picLocks noChangeAspect="1"/>
+          </p:cNvPicPr>
+          <p:nvPr/>
+        </p:nvPicPr>
+        <p:blipFill rotWithShape="1">
+          <a:blip r:embed="rId2"/>
+          <a:srcRect t="15595" r="26607" b="4803"/>
+          <a:stretch/>
+        </p:blipFill>
+        <p:spPr>
+          <a:xfrm>
+            <a:off x="1585545" y="1235483"/>
+            <a:ext cx="9020908" cy="5059809"/>
+          </a:xfrm>
+          <a:prstGeom prst="rect">
+            <a:avLst/>
+          </a:prstGeom>
+        </p:spPr>
+      </p:pic>
     </p:spTree>
     <p:extLst>
       <p:ext uri="{BB962C8B-B14F-4D97-AF65-F5344CB8AC3E}">
@@ -9117,6 +9140,29 @@
           </a:p>
         </p:txBody>
       </p:sp>
+      <p:pic>
+        <p:nvPicPr>
+          <p:cNvPr id="4" name="Bildobjekt 3"/>
+          <p:cNvPicPr>
+            <a:picLocks noChangeAspect="1"/>
+          </p:cNvPicPr>
+          <p:nvPr/>
+        </p:nvPicPr>
+        <p:blipFill rotWithShape="1">
+          <a:blip r:embed="rId2"/>
+          <a:srcRect t="13788" r="50902" b="5386"/>
+          <a:stretch/>
+        </p:blipFill>
+        <p:spPr>
+          <a:xfrm>
+            <a:off x="888021" y="1088781"/>
+            <a:ext cx="10005647" cy="5593373"/>
+          </a:xfrm>
+          <a:prstGeom prst="rect">
+            <a:avLst/>
+          </a:prstGeom>
+        </p:spPr>
+      </p:pic>
     </p:spTree>
     <p:extLst>
       <p:ext uri="{BB962C8B-B14F-4D97-AF65-F5344CB8AC3E}">
@@ -9211,15 +9257,213 @@
         </p:nvSpPr>
         <p:spPr>
           <a:xfrm>
-            <a:off x="1090245" y="1967057"/>
-            <a:ext cx="9900139" cy="846482"/>
+            <a:off x="1090245" y="1967056"/>
+            <a:ext cx="9900139" cy="1919144"/>
           </a:xfrm>
         </p:spPr>
         <p:txBody>
           <a:bodyPr>
-            <a:normAutofit lnSpcReduction="10000"/>
+            <a:normAutofit fontScale="92500" lnSpcReduction="10000"/>
           </a:bodyPr>
           <a:lstStyle/>
+          <a:p>
+            <a:pPr marL="285750" indent="-285750" algn="l">
+              <a:buFont typeface="Arial" panose="020B0604020202020204" pitchFamily="34" charset="0"/>
+              <a:buChar char="•"/>
+            </a:pPr>
+            <a:r>
+              <a:rPr lang="sv-SE" sz="2800" dirty="0">
+                <a:solidFill>
+                  <a:schemeClr val="tx1"/>
+                </a:solidFill>
+                <a:latin typeface="Calibri" panose="020F0502020204030204" pitchFamily="34" charset="0"/>
+              </a:rPr>
+              <a:t>The </a:t>
+            </a:r>
+            <a:r>
+              <a:rPr lang="sv-SE" sz="2800" dirty="0" err="1">
+                <a:solidFill>
+                  <a:schemeClr val="tx1"/>
+                </a:solidFill>
+                <a:latin typeface="Calibri" panose="020F0502020204030204" pitchFamily="34" charset="0"/>
+              </a:rPr>
+              <a:t>client</a:t>
+            </a:r>
+            <a:r>
+              <a:rPr lang="sv-SE" sz="2800" dirty="0">
+                <a:solidFill>
+                  <a:schemeClr val="tx1"/>
+                </a:solidFill>
+                <a:latin typeface="Calibri" panose="020F0502020204030204" pitchFamily="34" charset="0"/>
+              </a:rPr>
+              <a:t> has given </a:t>
+            </a:r>
+            <a:r>
+              <a:rPr lang="sv-SE" sz="2800" dirty="0" err="1">
+                <a:solidFill>
+                  <a:schemeClr val="tx1"/>
+                </a:solidFill>
+                <a:latin typeface="Calibri" panose="020F0502020204030204" pitchFamily="34" charset="0"/>
+              </a:rPr>
+              <a:t>us</a:t>
+            </a:r>
+            <a:r>
+              <a:rPr lang="sv-SE" sz="2800" dirty="0">
+                <a:solidFill>
+                  <a:schemeClr val="tx1"/>
+                </a:solidFill>
+                <a:latin typeface="Calibri" panose="020F0502020204030204" pitchFamily="34" charset="0"/>
+              </a:rPr>
+              <a:t> </a:t>
+            </a:r>
+            <a:r>
+              <a:rPr lang="sv-SE" sz="2800" dirty="0" err="1">
+                <a:solidFill>
+                  <a:schemeClr val="tx1"/>
+                </a:solidFill>
+                <a:latin typeface="Calibri" panose="020F0502020204030204" pitchFamily="34" charset="0"/>
+              </a:rPr>
+              <a:t>some</a:t>
+            </a:r>
+            <a:r>
+              <a:rPr lang="sv-SE" sz="2800" dirty="0">
+                <a:solidFill>
+                  <a:schemeClr val="tx1"/>
+                </a:solidFill>
+                <a:latin typeface="Calibri" panose="020F0502020204030204" pitchFamily="34" charset="0"/>
+              </a:rPr>
+              <a:t> feedback on </a:t>
+            </a:r>
+            <a:r>
+              <a:rPr lang="sv-SE" sz="2800" dirty="0" err="1">
+                <a:solidFill>
+                  <a:schemeClr val="tx1"/>
+                </a:solidFill>
+                <a:latin typeface="Calibri" panose="020F0502020204030204" pitchFamily="34" charset="0"/>
+              </a:rPr>
+              <a:t>our</a:t>
+            </a:r>
+            <a:r>
+              <a:rPr lang="sv-SE" sz="2800" dirty="0">
+                <a:solidFill>
+                  <a:schemeClr val="tx1"/>
+                </a:solidFill>
+                <a:latin typeface="Calibri" panose="020F0502020204030204" pitchFamily="34" charset="0"/>
+              </a:rPr>
+              <a:t> </a:t>
+            </a:r>
+            <a:r>
+              <a:rPr lang="sv-SE" sz="2800" dirty="0" err="1">
+                <a:solidFill>
+                  <a:schemeClr val="tx1"/>
+                </a:solidFill>
+                <a:latin typeface="Calibri" panose="020F0502020204030204" pitchFamily="34" charset="0"/>
+              </a:rPr>
+              <a:t>product</a:t>
+            </a:r>
+            <a:r>
+              <a:rPr lang="sv-SE" sz="2800" dirty="0">
+                <a:solidFill>
+                  <a:schemeClr val="tx1"/>
+                </a:solidFill>
+                <a:latin typeface="Calibri" panose="020F0502020204030204" pitchFamily="34" charset="0"/>
+              </a:rPr>
+              <a:t> (1st version)</a:t>
+            </a:r>
+          </a:p>
+          <a:p>
+            <a:pPr marL="742950" lvl="1" indent="-285750" algn="l">
+              <a:buFont typeface="Arial" panose="020B0604020202020204" pitchFamily="34" charset="0"/>
+              <a:buChar char="•"/>
+            </a:pPr>
+            <a:r>
+              <a:rPr lang="sv-SE" sz="1600" dirty="0">
+                <a:solidFill>
+                  <a:schemeClr val="tx1"/>
+                </a:solidFill>
+                <a:latin typeface="Calibri" panose="020F0502020204030204" pitchFamily="34" charset="0"/>
+              </a:rPr>
+              <a:t>And it </a:t>
+            </a:r>
+            <a:r>
+              <a:rPr lang="sv-SE" sz="1600" dirty="0" err="1">
+                <a:solidFill>
+                  <a:schemeClr val="tx1"/>
+                </a:solidFill>
+                <a:latin typeface="Calibri" panose="020F0502020204030204" pitchFamily="34" charset="0"/>
+              </a:rPr>
+              <a:t>was</a:t>
+            </a:r>
+            <a:r>
+              <a:rPr lang="sv-SE" sz="1600" dirty="0">
+                <a:solidFill>
+                  <a:schemeClr val="tx1"/>
+                </a:solidFill>
+                <a:latin typeface="Calibri" panose="020F0502020204030204" pitchFamily="34" charset="0"/>
+              </a:rPr>
+              <a:t> </a:t>
+            </a:r>
+            <a:r>
+              <a:rPr lang="sv-SE" sz="1600" dirty="0" err="1">
+                <a:solidFill>
+                  <a:schemeClr val="tx1"/>
+                </a:solidFill>
+                <a:latin typeface="Calibri" panose="020F0502020204030204" pitchFamily="34" charset="0"/>
+              </a:rPr>
+              <a:t>very</a:t>
+            </a:r>
+            <a:r>
+              <a:rPr lang="sv-SE" sz="1600" dirty="0">
+                <a:solidFill>
+                  <a:schemeClr val="tx1"/>
+                </a:solidFill>
+                <a:latin typeface="Calibri" panose="020F0502020204030204" pitchFamily="34" charset="0"/>
+              </a:rPr>
+              <a:t> </a:t>
+            </a:r>
+            <a:r>
+              <a:rPr lang="sv-SE" sz="1600" dirty="0" err="1">
+                <a:solidFill>
+                  <a:schemeClr val="tx1"/>
+                </a:solidFill>
+                <a:latin typeface="Calibri" panose="020F0502020204030204" pitchFamily="34" charset="0"/>
+              </a:rPr>
+              <a:t>very</a:t>
+            </a:r>
+            <a:r>
+              <a:rPr lang="sv-SE" sz="1600" dirty="0">
+                <a:solidFill>
+                  <a:schemeClr val="tx1"/>
+                </a:solidFill>
+                <a:latin typeface="Calibri" panose="020F0502020204030204" pitchFamily="34" charset="0"/>
+              </a:rPr>
+              <a:t> </a:t>
+            </a:r>
+            <a:r>
+              <a:rPr lang="sv-SE" sz="1600" dirty="0" err="1">
+                <a:solidFill>
+                  <a:schemeClr val="tx1"/>
+                </a:solidFill>
+                <a:latin typeface="Calibri" panose="020F0502020204030204" pitchFamily="34" charset="0"/>
+              </a:rPr>
+              <a:t>goooood</a:t>
+            </a:r>
+            <a:endParaRPr lang="sv-SE" sz="1600" dirty="0">
+              <a:solidFill>
+                <a:schemeClr val="tx1"/>
+              </a:solidFill>
+              <a:latin typeface="Calibri" panose="020F0502020204030204" pitchFamily="34" charset="0"/>
+            </a:endParaRPr>
+          </a:p>
+          <a:p>
+            <a:pPr algn="l"/>
+            <a:endParaRPr lang="sv-SE" sz="2800" dirty="0">
+              <a:solidFill>
+                <a:schemeClr val="tx1"/>
+              </a:solidFill>
+              <a:latin typeface="Calibri" panose="020F0502020204030204" pitchFamily="34" charset="0"/>
+            </a:endParaRPr>
+          </a:p>
           <a:p>
             <a:pPr marL="285750" indent="-285750" algn="l">
               <a:buFont typeface="Arial" panose="020B0604020202020204" pitchFamily="34" charset="0"/>
@@ -9483,7 +9727,7 @@
           <p:nvPr>
             <p:extLst>
               <p:ext uri="{D42A27DB-BD31-4B8C-83A1-F6EECF244321}">
-                <p14:modId xmlns:p14="http://schemas.microsoft.com/office/powerpoint/2010/main" val="811510353"/>
+                <p14:modId xmlns:p14="http://schemas.microsoft.com/office/powerpoint/2010/main" val="3621546892"/>
               </p:ext>
             </p:extLst>
           </p:nvPr>
@@ -9739,7 +9983,10 @@
                     <a:bodyPr/>
                     <a:lstStyle/>
                     <a:p>
-                      <a:endParaRPr lang="sv-SE" dirty="0"/>
+                      <a:r>
+                        <a:rPr lang="sv-SE" dirty="0"/>
+                        <a:t>15</a:t>
+                      </a:r>
                     </a:p>
                   </a:txBody>
                   <a:tcPr/>
@@ -9749,7 +9996,10 @@
                     <a:bodyPr/>
                     <a:lstStyle/>
                     <a:p>
-                      <a:endParaRPr lang="sv-SE" dirty="0"/>
+                      <a:r>
+                        <a:rPr lang="sv-SE" dirty="0"/>
+                        <a:t>49</a:t>
+                      </a:r>
                     </a:p>
                   </a:txBody>
                   <a:tcPr/>
@@ -9823,7 +10073,10 @@
                     <a:bodyPr/>
                     <a:lstStyle/>
                     <a:p>
-                      <a:endParaRPr lang="sv-SE" dirty="0"/>
+                      <a:r>
+                        <a:rPr lang="sv-SE" dirty="0"/>
+                        <a:t>10</a:t>
+                      </a:r>
                     </a:p>
                   </a:txBody>
                   <a:tcPr/>
@@ -9833,7 +10086,10 @@
                     <a:bodyPr/>
                     <a:lstStyle/>
                     <a:p>
-                      <a:endParaRPr lang="sv-SE" dirty="0"/>
+                      <a:r>
+                        <a:rPr lang="sv-SE" dirty="0"/>
+                        <a:t>42</a:t>
+                      </a:r>
                     </a:p>
                   </a:txBody>
                   <a:tcPr/>
@@ -9992,7 +10248,10 @@
                     <a:bodyPr/>
                     <a:lstStyle/>
                     <a:p>
-                      <a:endParaRPr lang="sv-SE" dirty="0"/>
+                      <a:r>
+                        <a:rPr lang="sv-SE" dirty="0"/>
+                        <a:t>11</a:t>
+                      </a:r>
                     </a:p>
                   </a:txBody>
                   <a:tcPr/>
@@ -10002,7 +10261,10 @@
                     <a:bodyPr/>
                     <a:lstStyle/>
                     <a:p>
-                      <a:endParaRPr lang="sv-SE" dirty="0"/>
+                      <a:r>
+                        <a:rPr lang="sv-SE" dirty="0"/>
+                        <a:t>49,5</a:t>
+                      </a:r>
                     </a:p>
                   </a:txBody>
                   <a:tcPr/>
@@ -10071,7 +10333,10 @@
                     <a:bodyPr/>
                     <a:lstStyle/>
                     <a:p>
-                      <a:endParaRPr lang="sv-SE" dirty="0"/>
+                      <a:r>
+                        <a:rPr lang="sv-SE" dirty="0"/>
+                        <a:t>12</a:t>
+                      </a:r>
                     </a:p>
                   </a:txBody>
                   <a:tcPr/>
@@ -10081,7 +10346,10 @@
                     <a:bodyPr/>
                     <a:lstStyle/>
                     <a:p>
-                      <a:endParaRPr lang="sv-SE" dirty="0"/>
+                      <a:r>
+                        <a:rPr lang="sv-SE" dirty="0"/>
+                        <a:t>54</a:t>
+                      </a:r>
                     </a:p>
                   </a:txBody>
                   <a:tcPr/>
@@ -10159,7 +10427,10 @@
                     <a:bodyPr/>
                     <a:lstStyle/>
                     <a:p>
-                      <a:endParaRPr lang="sv-SE" dirty="0"/>
+                      <a:r>
+                        <a:rPr lang="sv-SE" dirty="0"/>
+                        <a:t>10</a:t>
+                      </a:r>
                     </a:p>
                   </a:txBody>
                   <a:tcPr/>
@@ -10169,7 +10440,10 @@
                     <a:bodyPr/>
                     <a:lstStyle/>
                     <a:p>
-                      <a:endParaRPr lang="sv-SE" dirty="0"/>
+                      <a:r>
+                        <a:rPr lang="sv-SE" dirty="0"/>
+                        <a:t>38</a:t>
+                      </a:r>
                     </a:p>
                   </a:txBody>
                   <a:tcPr/>
@@ -10262,7 +10536,7 @@
         </p:nvSpPr>
         <p:spPr>
           <a:xfrm>
-            <a:off x="861647" y="2239618"/>
+            <a:off x="852855" y="3602426"/>
             <a:ext cx="10172699" cy="1611414"/>
           </a:xfrm>
         </p:spPr>
@@ -10271,6 +10545,54 @@
             <a:noAutofit/>
           </a:bodyPr>
           <a:lstStyle/>
+          <a:p>
+            <a:pPr algn="l"/>
+            <a:r>
+              <a:rPr lang="sv-SE" sz="2800" dirty="0">
+                <a:solidFill>
+                  <a:schemeClr val="tx1"/>
+                </a:solidFill>
+                <a:latin typeface="Calibri" panose="020F0502020204030204" pitchFamily="34" charset="0"/>
+              </a:rPr>
+              <a:t>Design </a:t>
+            </a:r>
+            <a:r>
+              <a:rPr lang="sv-SE" sz="2800" dirty="0" err="1">
+                <a:solidFill>
+                  <a:schemeClr val="tx1"/>
+                </a:solidFill>
+                <a:latin typeface="Calibri" panose="020F0502020204030204" pitchFamily="34" charset="0"/>
+              </a:rPr>
+              <a:t>description</a:t>
+            </a:r>
+            <a:r>
+              <a:rPr lang="sv-SE" sz="2800" dirty="0">
+                <a:solidFill>
+                  <a:schemeClr val="tx1"/>
+                </a:solidFill>
+                <a:latin typeface="Calibri" panose="020F0502020204030204" pitchFamily="34" charset="0"/>
+              </a:rPr>
+              <a:t> </a:t>
+            </a:r>
+            <a:r>
+              <a:rPr lang="sv-SE" sz="2800" dirty="0" err="1">
+                <a:solidFill>
+                  <a:schemeClr val="tx1"/>
+                </a:solidFill>
+                <a:latin typeface="Calibri" panose="020F0502020204030204" pitchFamily="34" charset="0"/>
+              </a:rPr>
+              <a:t>document</a:t>
+            </a:r>
+            <a:r>
+              <a:rPr lang="sv-SE" sz="2800" dirty="0">
+                <a:solidFill>
+                  <a:schemeClr val="tx1"/>
+                </a:solidFill>
+                <a:latin typeface="Calibri" panose="020F0502020204030204" pitchFamily="34" charset="0"/>
+              </a:rPr>
+              <a:t>:</a:t>
+            </a:r>
+          </a:p>
           <a:p>
             <a:pPr marL="285750" indent="-285750" algn="l">
               <a:buFont typeface="Arial" panose="020B0604020202020204" pitchFamily="34" charset="0"/>
@@ -10283,8 +10605,392 @@
                 </a:solidFill>
                 <a:latin typeface="Calibri" panose="020F0502020204030204" pitchFamily="34" charset="0"/>
               </a:rPr>
-              <a:t>…</a:t>
-            </a:r>
+              <a:t>Software </a:t>
+            </a:r>
+            <a:r>
+              <a:rPr lang="sv-SE" sz="2800" dirty="0" err="1">
+                <a:solidFill>
+                  <a:schemeClr val="tx1"/>
+                </a:solidFill>
+                <a:latin typeface="Calibri" panose="020F0502020204030204" pitchFamily="34" charset="0"/>
+              </a:rPr>
+              <a:t>architecture</a:t>
+            </a:r>
+            <a:r>
+              <a:rPr lang="sv-SE" sz="2800" dirty="0">
+                <a:solidFill>
+                  <a:schemeClr val="tx1"/>
+                </a:solidFill>
+                <a:latin typeface="Calibri" panose="020F0502020204030204" pitchFamily="34" charset="0"/>
+              </a:rPr>
+              <a:t> = </a:t>
+            </a:r>
+            <a:r>
+              <a:rPr lang="sv-SE" sz="2800" dirty="0" err="1">
+                <a:solidFill>
+                  <a:schemeClr val="tx1"/>
+                </a:solidFill>
+                <a:latin typeface="Calibri" panose="020F0502020204030204" pitchFamily="34" charset="0"/>
+              </a:rPr>
+              <a:t>three-tier</a:t>
+            </a:r>
+            <a:r>
+              <a:rPr lang="sv-SE" sz="2800" dirty="0">
+                <a:solidFill>
+                  <a:schemeClr val="tx1"/>
+                </a:solidFill>
+                <a:latin typeface="Calibri" panose="020F0502020204030204" pitchFamily="34" charset="0"/>
+              </a:rPr>
+              <a:t> </a:t>
+            </a:r>
+            <a:r>
+              <a:rPr lang="sv-SE" sz="2800" dirty="0" err="1">
+                <a:solidFill>
+                  <a:schemeClr val="tx1"/>
+                </a:solidFill>
+                <a:latin typeface="Calibri" panose="020F0502020204030204" pitchFamily="34" charset="0"/>
+              </a:rPr>
+              <a:t>architecture</a:t>
+            </a:r>
+            <a:r>
+              <a:rPr lang="sv-SE" sz="2800" dirty="0">
+                <a:solidFill>
+                  <a:schemeClr val="tx1"/>
+                </a:solidFill>
+                <a:latin typeface="Calibri" panose="020F0502020204030204" pitchFamily="34" charset="0"/>
+              </a:rPr>
+              <a:t>?</a:t>
+            </a:r>
+          </a:p>
+          <a:p>
+            <a:pPr marL="285750" indent="-285750" algn="l">
+              <a:buFont typeface="Arial" panose="020B0604020202020204" pitchFamily="34" charset="0"/>
+              <a:buChar char="•"/>
+            </a:pPr>
+            <a:r>
+              <a:rPr lang="sv-SE" sz="2800" dirty="0" err="1">
+                <a:solidFill>
+                  <a:schemeClr val="tx1"/>
+                </a:solidFill>
+                <a:latin typeface="Calibri" panose="020F0502020204030204" pitchFamily="34" charset="0"/>
+              </a:rPr>
+              <a:t>Detailed</a:t>
+            </a:r>
+            <a:r>
+              <a:rPr lang="sv-SE" sz="2800" dirty="0">
+                <a:solidFill>
+                  <a:schemeClr val="tx1"/>
+                </a:solidFill>
+                <a:latin typeface="Calibri" panose="020F0502020204030204" pitchFamily="34" charset="0"/>
+              </a:rPr>
+              <a:t> design = </a:t>
+            </a:r>
+            <a:r>
+              <a:rPr lang="sv-SE" sz="2800" dirty="0" err="1">
+                <a:solidFill>
+                  <a:schemeClr val="tx1"/>
+                </a:solidFill>
+                <a:latin typeface="Calibri" panose="020F0502020204030204" pitchFamily="34" charset="0"/>
+              </a:rPr>
+              <a:t>We</a:t>
+            </a:r>
+            <a:r>
+              <a:rPr lang="sv-SE" sz="2800" dirty="0">
+                <a:solidFill>
+                  <a:schemeClr val="tx1"/>
+                </a:solidFill>
+                <a:latin typeface="Calibri" panose="020F0502020204030204" pitchFamily="34" charset="0"/>
+              </a:rPr>
+              <a:t> </a:t>
+            </a:r>
+            <a:r>
+              <a:rPr lang="sv-SE" sz="2800" dirty="0" err="1">
+                <a:solidFill>
+                  <a:schemeClr val="tx1"/>
+                </a:solidFill>
+                <a:latin typeface="Calibri" panose="020F0502020204030204" pitchFamily="34" charset="0"/>
+              </a:rPr>
+              <a:t>have</a:t>
+            </a:r>
+            <a:r>
+              <a:rPr lang="sv-SE" sz="2800" dirty="0">
+                <a:solidFill>
+                  <a:schemeClr val="tx1"/>
+                </a:solidFill>
+                <a:latin typeface="Calibri" panose="020F0502020204030204" pitchFamily="34" charset="0"/>
+              </a:rPr>
+              <a:t> no selfmade </a:t>
+            </a:r>
+            <a:r>
+              <a:rPr lang="sv-SE" sz="2800" dirty="0" err="1">
+                <a:solidFill>
+                  <a:schemeClr val="tx1"/>
+                </a:solidFill>
+                <a:latin typeface="Calibri" panose="020F0502020204030204" pitchFamily="34" charset="0"/>
+              </a:rPr>
+              <a:t>classes</a:t>
+            </a:r>
+            <a:r>
+              <a:rPr lang="sv-SE" sz="2800" dirty="0">
+                <a:solidFill>
+                  <a:schemeClr val="tx1"/>
+                </a:solidFill>
+                <a:latin typeface="Calibri" panose="020F0502020204030204" pitchFamily="34" charset="0"/>
+              </a:rPr>
+              <a:t>. </a:t>
+            </a:r>
+            <a:r>
+              <a:rPr lang="sv-SE" sz="2800" dirty="0" err="1">
+                <a:solidFill>
+                  <a:schemeClr val="tx1"/>
+                </a:solidFill>
+                <a:latin typeface="Calibri" panose="020F0502020204030204" pitchFamily="34" charset="0"/>
+              </a:rPr>
+              <a:t>What’s</a:t>
+            </a:r>
+            <a:r>
+              <a:rPr lang="sv-SE" sz="2800" dirty="0">
+                <a:solidFill>
+                  <a:schemeClr val="tx1"/>
+                </a:solidFill>
+                <a:latin typeface="Calibri" panose="020F0502020204030204" pitchFamily="34" charset="0"/>
+              </a:rPr>
+              <a:t> </a:t>
+            </a:r>
+            <a:r>
+              <a:rPr lang="sv-SE" sz="2800" dirty="0" err="1">
+                <a:solidFill>
+                  <a:schemeClr val="tx1"/>
+                </a:solidFill>
+                <a:latin typeface="Calibri" panose="020F0502020204030204" pitchFamily="34" charset="0"/>
+              </a:rPr>
+              <a:t>being</a:t>
+            </a:r>
+            <a:r>
+              <a:rPr lang="sv-SE" sz="2800" dirty="0">
+                <a:solidFill>
+                  <a:schemeClr val="tx1"/>
+                </a:solidFill>
+                <a:latin typeface="Calibri" panose="020F0502020204030204" pitchFamily="34" charset="0"/>
+              </a:rPr>
+              <a:t> </a:t>
+            </a:r>
+            <a:r>
+              <a:rPr lang="sv-SE" sz="2800" dirty="0" err="1">
+                <a:solidFill>
+                  <a:schemeClr val="tx1"/>
+                </a:solidFill>
+                <a:latin typeface="Calibri" panose="020F0502020204030204" pitchFamily="34" charset="0"/>
+              </a:rPr>
+              <a:t>used</a:t>
+            </a:r>
+            <a:r>
+              <a:rPr lang="sv-SE" sz="2800" dirty="0">
+                <a:solidFill>
+                  <a:schemeClr val="tx1"/>
+                </a:solidFill>
+                <a:latin typeface="Calibri" panose="020F0502020204030204" pitchFamily="34" charset="0"/>
+              </a:rPr>
+              <a:t> </a:t>
+            </a:r>
+            <a:r>
+              <a:rPr lang="sv-SE" sz="2800" dirty="0" err="1">
+                <a:solidFill>
+                  <a:schemeClr val="tx1"/>
+                </a:solidFill>
+                <a:latin typeface="Calibri" panose="020F0502020204030204" pitchFamily="34" charset="0"/>
+              </a:rPr>
+              <a:t>are</a:t>
+            </a:r>
+            <a:r>
+              <a:rPr lang="sv-SE" sz="2800" dirty="0">
+                <a:solidFill>
+                  <a:schemeClr val="tx1"/>
+                </a:solidFill>
+                <a:latin typeface="Calibri" panose="020F0502020204030204" pitchFamily="34" charset="0"/>
+              </a:rPr>
+              <a:t> </a:t>
+            </a:r>
+            <a:r>
+              <a:rPr lang="sv-SE" sz="2800" dirty="0" err="1">
+                <a:solidFill>
+                  <a:schemeClr val="tx1"/>
+                </a:solidFill>
+                <a:latin typeface="Calibri" panose="020F0502020204030204" pitchFamily="34" charset="0"/>
+              </a:rPr>
+              <a:t>database</a:t>
+            </a:r>
+            <a:r>
+              <a:rPr lang="sv-SE" sz="2800" dirty="0">
+                <a:solidFill>
+                  <a:schemeClr val="tx1"/>
+                </a:solidFill>
+                <a:latin typeface="Calibri" panose="020F0502020204030204" pitchFamily="34" charset="0"/>
+              </a:rPr>
+              <a:t> </a:t>
+            </a:r>
+            <a:r>
+              <a:rPr lang="sv-SE" sz="2800" dirty="0" err="1">
+                <a:solidFill>
+                  <a:schemeClr val="tx1"/>
+                </a:solidFill>
+                <a:latin typeface="Calibri" panose="020F0502020204030204" pitchFamily="34" charset="0"/>
+              </a:rPr>
+              <a:t>tables</a:t>
+            </a:r>
+            <a:r>
+              <a:rPr lang="sv-SE" sz="2800" dirty="0">
+                <a:solidFill>
+                  <a:schemeClr val="tx1"/>
+                </a:solidFill>
+                <a:latin typeface="Calibri" panose="020F0502020204030204" pitchFamily="34" charset="0"/>
+              </a:rPr>
+              <a:t>, </a:t>
+            </a:r>
+            <a:r>
+              <a:rPr lang="sv-SE" sz="2800" dirty="0" err="1">
+                <a:solidFill>
+                  <a:schemeClr val="tx1"/>
+                </a:solidFill>
+                <a:latin typeface="Calibri" panose="020F0502020204030204" pitchFamily="34" charset="0"/>
+              </a:rPr>
+              <a:t>external</a:t>
+            </a:r>
+            <a:r>
+              <a:rPr lang="sv-SE" sz="2800" dirty="0">
+                <a:solidFill>
+                  <a:schemeClr val="tx1"/>
+                </a:solidFill>
+                <a:latin typeface="Calibri" panose="020F0502020204030204" pitchFamily="34" charset="0"/>
+              </a:rPr>
+              <a:t> </a:t>
+            </a:r>
+            <a:r>
+              <a:rPr lang="sv-SE" sz="2800" dirty="0" err="1">
+                <a:solidFill>
+                  <a:schemeClr val="tx1"/>
+                </a:solidFill>
+                <a:latin typeface="Calibri" panose="020F0502020204030204" pitchFamily="34" charset="0"/>
+              </a:rPr>
+              <a:t>libraries</a:t>
+            </a:r>
+            <a:r>
+              <a:rPr lang="sv-SE" sz="2800" dirty="0">
+                <a:solidFill>
+                  <a:schemeClr val="tx1"/>
+                </a:solidFill>
+                <a:latin typeface="Calibri" panose="020F0502020204030204" pitchFamily="34" charset="0"/>
+              </a:rPr>
+              <a:t> (</a:t>
+            </a:r>
+            <a:r>
+              <a:rPr lang="sv-SE" sz="2800" dirty="0" err="1">
+                <a:solidFill>
+                  <a:schemeClr val="tx1"/>
+                </a:solidFill>
+                <a:latin typeface="Calibri" panose="020F0502020204030204" pitchFamily="34" charset="0"/>
+              </a:rPr>
+              <a:t>include</a:t>
+            </a:r>
+            <a:r>
+              <a:rPr lang="sv-SE" sz="2800" dirty="0">
+                <a:solidFill>
+                  <a:schemeClr val="tx1"/>
+                </a:solidFill>
+                <a:latin typeface="Calibri" panose="020F0502020204030204" pitchFamily="34" charset="0"/>
+              </a:rPr>
+              <a:t> </a:t>
+            </a:r>
+            <a:r>
+              <a:rPr lang="sv-SE" sz="2800" dirty="0" err="1">
+                <a:solidFill>
+                  <a:schemeClr val="tx1"/>
+                </a:solidFill>
+                <a:latin typeface="Calibri" panose="020F0502020204030204" pitchFamily="34" charset="0"/>
+              </a:rPr>
+              <a:t>classes</a:t>
+            </a:r>
+            <a:r>
+              <a:rPr lang="sv-SE" sz="2800" dirty="0">
+                <a:solidFill>
+                  <a:schemeClr val="tx1"/>
+                </a:solidFill>
+                <a:latin typeface="Calibri" panose="020F0502020204030204" pitchFamily="34" charset="0"/>
+              </a:rPr>
+              <a:t> </a:t>
+            </a:r>
+            <a:r>
+              <a:rPr lang="sv-SE" sz="2800" dirty="0" err="1">
+                <a:solidFill>
+                  <a:schemeClr val="tx1"/>
+                </a:solidFill>
+                <a:latin typeface="Calibri" panose="020F0502020204030204" pitchFamily="34" charset="0"/>
+              </a:rPr>
+              <a:t>though</a:t>
+            </a:r>
+            <a:r>
+              <a:rPr lang="sv-SE" sz="2800" dirty="0">
+                <a:solidFill>
+                  <a:schemeClr val="tx1"/>
+                </a:solidFill>
+                <a:latin typeface="Calibri" panose="020F0502020204030204" pitchFamily="34" charset="0"/>
+              </a:rPr>
+              <a:t>), MVC?</a:t>
+            </a:r>
+          </a:p>
+          <a:p>
+            <a:pPr marL="285750" indent="-285750" algn="l">
+              <a:buFont typeface="Arial" panose="020B0604020202020204" pitchFamily="34" charset="0"/>
+              <a:buChar char="•"/>
+            </a:pPr>
+            <a:r>
+              <a:rPr lang="sv-SE" sz="2800" dirty="0" err="1">
+                <a:solidFill>
+                  <a:schemeClr val="tx1"/>
+                </a:solidFill>
+                <a:latin typeface="Calibri" panose="020F0502020204030204" pitchFamily="34" charset="0"/>
+              </a:rPr>
+              <a:t>Use</a:t>
+            </a:r>
+            <a:r>
+              <a:rPr lang="sv-SE" sz="2800" dirty="0">
+                <a:solidFill>
+                  <a:schemeClr val="tx1"/>
+                </a:solidFill>
+                <a:latin typeface="Calibri" panose="020F0502020204030204" pitchFamily="34" charset="0"/>
+              </a:rPr>
+              <a:t> </a:t>
+            </a:r>
+            <a:r>
+              <a:rPr lang="sv-SE" sz="2800" dirty="0" err="1">
+                <a:solidFill>
+                  <a:schemeClr val="tx1"/>
+                </a:solidFill>
+                <a:latin typeface="Calibri" panose="020F0502020204030204" pitchFamily="34" charset="0"/>
+              </a:rPr>
+              <a:t>case</a:t>
+            </a:r>
+            <a:r>
+              <a:rPr lang="sv-SE" sz="2800" dirty="0">
+                <a:solidFill>
+                  <a:schemeClr val="tx1"/>
+                </a:solidFill>
+                <a:latin typeface="Calibri" panose="020F0502020204030204" pitchFamily="34" charset="0"/>
+              </a:rPr>
+              <a:t> diagram </a:t>
+            </a:r>
+          </a:p>
+          <a:p>
+            <a:pPr marL="285750" indent="-285750" algn="l">
+              <a:buFont typeface="Arial" panose="020B0604020202020204" pitchFamily="34" charset="0"/>
+              <a:buChar char="•"/>
+            </a:pPr>
+            <a:endParaRPr lang="sv-SE" sz="2800" dirty="0">
+              <a:solidFill>
+                <a:schemeClr val="tx1"/>
+              </a:solidFill>
+              <a:latin typeface="Calibri" panose="020F0502020204030204" pitchFamily="34" charset="0"/>
+            </a:endParaRPr>
           </a:p>
         </p:txBody>
       </p:sp>
